--- a/Capstone-Project/IGN Video Game Reviews Deck.pptx
+++ b/Capstone-Project/IGN Video Game Reviews Deck.pptx
@@ -19,10 +19,9 @@
     <p:sldId id="267" r:id="rId13"/>
     <p:sldId id="268" r:id="rId14"/>
     <p:sldId id="269" r:id="rId15"/>
-    <p:sldId id="270" r:id="rId16"/>
-    <p:sldId id="271" r:id="rId17"/>
-    <p:sldId id="272" r:id="rId18"/>
-    <p:sldId id="273" r:id="rId19"/>
+    <p:sldId id="271" r:id="rId16"/>
+    <p:sldId id="272" r:id="rId17"/>
+    <p:sldId id="273" r:id="rId18"/>
   </p:sldIdLst>
   <p:sldSz cx="12192000" cy="6858000"/>
   <p:notesSz cx="6858000" cy="9144000"/>
@@ -121,6 +120,11 @@
       </a:defRPr>
     </a:lvl9pPr>
   </p:defaultTextStyle>
+  <p:extLst>
+    <p:ext uri="{EFAFB233-063F-42B5-8137-9DF3F51BA10A}">
+      <p15:sldGuideLst xmlns:p15="http://schemas.microsoft.com/office/powerpoint/2012/main"/>
+    </p:ext>
+  </p:extLst>
 </p:presentation>
 </file>
 
@@ -174,7 +178,7 @@
           <a:noFill/>
           <a:extLst>
             <a:ext uri="{909E8E84-426E-40dd-AFC4-6F175D3DCCD1}">
-              <a14:hiddenFill xmlns:a14="http://schemas.microsoft.com/office/drawing/2010/main" xmlns="">
+              <a14:hiddenFill xmlns="" xmlns:a14="http://schemas.microsoft.com/office/drawing/2010/main">
                 <a:solidFill>
                   <a:srgbClr val="FFFFFF"/>
                 </a:solidFill>
@@ -234,7 +238,7 @@
             </a:ln>
             <a:extLst>
               <a:ext uri="{91240B29-F687-4f45-9708-019B960494DF}">
-                <a14:hiddenLine xmlns:a14="http://schemas.microsoft.com/office/drawing/2010/main" xmlns="" w="9525">
+                <a14:hiddenLine xmlns="" xmlns:a14="http://schemas.microsoft.com/office/drawing/2010/main" w="9525">
                   <a:solidFill>
                     <a:srgbClr val="000000"/>
                   </a:solidFill>
@@ -324,7 +328,7 @@
             </a:ln>
             <a:extLst>
               <a:ext uri="{91240B29-F687-4f45-9708-019B960494DF}">
-                <a14:hiddenLine xmlns:a14="http://schemas.microsoft.com/office/drawing/2010/main" xmlns="" w="9525">
+                <a14:hiddenLine xmlns="" xmlns:a14="http://schemas.microsoft.com/office/drawing/2010/main" w="9525">
                   <a:solidFill>
                     <a:srgbClr val="000000"/>
                   </a:solidFill>
@@ -414,7 +418,7 @@
             </a:ln>
             <a:extLst>
               <a:ext uri="{91240B29-F687-4f45-9708-019B960494DF}">
-                <a14:hiddenLine xmlns:a14="http://schemas.microsoft.com/office/drawing/2010/main" xmlns="" w="9525">
+                <a14:hiddenLine xmlns="" xmlns:a14="http://schemas.microsoft.com/office/drawing/2010/main" w="9525">
                   <a:solidFill>
                     <a:srgbClr val="000000"/>
                   </a:solidFill>
@@ -448,7 +452,7 @@
             </a:ln>
             <a:extLst>
               <a:ext uri="{91240B29-F687-4f45-9708-019B960494DF}">
-                <a14:hiddenLine xmlns:a14="http://schemas.microsoft.com/office/drawing/2010/main" xmlns="" w="9525">
+                <a14:hiddenLine xmlns="" xmlns:a14="http://schemas.microsoft.com/office/drawing/2010/main" w="9525">
                   <a:solidFill>
                     <a:srgbClr val="000000"/>
                   </a:solidFill>
@@ -538,7 +542,7 @@
             </a:ln>
             <a:extLst>
               <a:ext uri="{91240B29-F687-4f45-9708-019B960494DF}">
-                <a14:hiddenLine xmlns:a14="http://schemas.microsoft.com/office/drawing/2010/main" xmlns="" w="9525">
+                <a14:hiddenLine xmlns="" xmlns:a14="http://schemas.microsoft.com/office/drawing/2010/main" w="9525">
                   <a:solidFill>
                     <a:srgbClr val="000000"/>
                   </a:solidFill>
@@ -600,7 +604,7 @@
             </a:ln>
             <a:extLst>
               <a:ext uri="{91240B29-F687-4f45-9708-019B960494DF}">
-                <a14:hiddenLine xmlns:a14="http://schemas.microsoft.com/office/drawing/2010/main" xmlns="" w="9525">
+                <a14:hiddenLine xmlns="" xmlns:a14="http://schemas.microsoft.com/office/drawing/2010/main" w="9525">
                   <a:solidFill>
                     <a:srgbClr val="000000"/>
                   </a:solidFill>
@@ -662,7 +666,7 @@
             </a:ln>
             <a:extLst>
               <a:ext uri="{91240B29-F687-4f45-9708-019B960494DF}">
-                <a14:hiddenLine xmlns:a14="http://schemas.microsoft.com/office/drawing/2010/main" xmlns="" w="9525">
+                <a14:hiddenLine xmlns="" xmlns:a14="http://schemas.microsoft.com/office/drawing/2010/main" w="9525">
                   <a:solidFill>
                     <a:srgbClr val="000000"/>
                   </a:solidFill>
@@ -752,7 +756,7 @@
             </a:ln>
             <a:extLst>
               <a:ext uri="{91240B29-F687-4f45-9708-019B960494DF}">
-                <a14:hiddenLine xmlns:a14="http://schemas.microsoft.com/office/drawing/2010/main" xmlns="" w="9525">
+                <a14:hiddenLine xmlns="" xmlns:a14="http://schemas.microsoft.com/office/drawing/2010/main" w="9525">
                   <a:solidFill>
                     <a:srgbClr val="000000"/>
                   </a:solidFill>
@@ -814,7 +818,7 @@
             </a:ln>
             <a:extLst>
               <a:ext uri="{91240B29-F687-4f45-9708-019B960494DF}">
-                <a14:hiddenLine xmlns:a14="http://schemas.microsoft.com/office/drawing/2010/main" xmlns="" w="9525">
+                <a14:hiddenLine xmlns="" xmlns:a14="http://schemas.microsoft.com/office/drawing/2010/main" w="9525">
                   <a:solidFill>
                     <a:srgbClr val="000000"/>
                   </a:solidFill>
@@ -876,7 +880,7 @@
             </a:ln>
             <a:extLst>
               <a:ext uri="{91240B29-F687-4f45-9708-019B960494DF}">
-                <a14:hiddenLine xmlns:a14="http://schemas.microsoft.com/office/drawing/2010/main" xmlns="" w="9525">
+                <a14:hiddenLine xmlns="" xmlns:a14="http://schemas.microsoft.com/office/drawing/2010/main" w="9525">
                   <a:solidFill>
                     <a:srgbClr val="000000"/>
                   </a:solidFill>
@@ -966,7 +970,7 @@
             </a:ln>
             <a:extLst>
               <a:ext uri="{91240B29-F687-4f45-9708-019B960494DF}">
-                <a14:hiddenLine xmlns:a14="http://schemas.microsoft.com/office/drawing/2010/main" xmlns="" w="9525">
+                <a14:hiddenLine xmlns="" xmlns:a14="http://schemas.microsoft.com/office/drawing/2010/main" w="9525">
                   <a:solidFill>
                     <a:srgbClr val="000000"/>
                   </a:solidFill>
@@ -1056,7 +1060,7 @@
             </a:ln>
             <a:extLst>
               <a:ext uri="{91240B29-F687-4f45-9708-019B960494DF}">
-                <a14:hiddenLine xmlns:a14="http://schemas.microsoft.com/office/drawing/2010/main" xmlns="" w="9525">
+                <a14:hiddenLine xmlns="" xmlns:a14="http://schemas.microsoft.com/office/drawing/2010/main" w="9525">
                   <a:solidFill>
                     <a:srgbClr val="000000"/>
                   </a:solidFill>
@@ -1118,7 +1122,7 @@
             </a:ln>
             <a:extLst>
               <a:ext uri="{91240B29-F687-4f45-9708-019B960494DF}">
-                <a14:hiddenLine xmlns:a14="http://schemas.microsoft.com/office/drawing/2010/main" xmlns="" w="9525">
+                <a14:hiddenLine xmlns="" xmlns:a14="http://schemas.microsoft.com/office/drawing/2010/main" w="9525">
                   <a:solidFill>
                     <a:srgbClr val="000000"/>
                   </a:solidFill>
@@ -1228,7 +1232,7 @@
             </a:ln>
             <a:extLst>
               <a:ext uri="{91240B29-F687-4f45-9708-019B960494DF}">
-                <a14:hiddenLine xmlns:a14="http://schemas.microsoft.com/office/drawing/2010/main" xmlns="" w="9525">
+                <a14:hiddenLine xmlns="" xmlns:a14="http://schemas.microsoft.com/office/drawing/2010/main" w="9525">
                   <a:solidFill>
                     <a:srgbClr val="000000"/>
                   </a:solidFill>
@@ -1290,7 +1294,7 @@
             </a:ln>
             <a:extLst>
               <a:ext uri="{91240B29-F687-4f45-9708-019B960494DF}">
-                <a14:hiddenLine xmlns:a14="http://schemas.microsoft.com/office/drawing/2010/main" xmlns="" w="9525">
+                <a14:hiddenLine xmlns="" xmlns:a14="http://schemas.microsoft.com/office/drawing/2010/main" w="9525">
                   <a:solidFill>
                     <a:srgbClr val="000000"/>
                   </a:solidFill>
@@ -1380,7 +1384,7 @@
             </a:ln>
             <a:extLst>
               <a:ext uri="{91240B29-F687-4f45-9708-019B960494DF}">
-                <a14:hiddenLine xmlns:a14="http://schemas.microsoft.com/office/drawing/2010/main" xmlns="" w="9525">
+                <a14:hiddenLine xmlns="" xmlns:a14="http://schemas.microsoft.com/office/drawing/2010/main" w="9525">
                   <a:solidFill>
                     <a:srgbClr val="000000"/>
                   </a:solidFill>
@@ -1470,7 +1474,7 @@
             </a:ln>
             <a:extLst>
               <a:ext uri="{91240B29-F687-4f45-9708-019B960494DF}">
-                <a14:hiddenLine xmlns:a14="http://schemas.microsoft.com/office/drawing/2010/main" xmlns="" w="9525">
+                <a14:hiddenLine xmlns="" xmlns:a14="http://schemas.microsoft.com/office/drawing/2010/main" w="9525">
                   <a:solidFill>
                     <a:srgbClr val="000000"/>
                   </a:solidFill>
@@ -1532,7 +1536,7 @@
             </a:ln>
             <a:extLst>
               <a:ext uri="{91240B29-F687-4f45-9708-019B960494DF}">
-                <a14:hiddenLine xmlns:a14="http://schemas.microsoft.com/office/drawing/2010/main" xmlns="" w="9525">
+                <a14:hiddenLine xmlns="" xmlns:a14="http://schemas.microsoft.com/office/drawing/2010/main" w="9525">
                   <a:solidFill>
                     <a:srgbClr val="000000"/>
                   </a:solidFill>
@@ -1622,7 +1626,7 @@
             </a:ln>
             <a:extLst>
               <a:ext uri="{91240B29-F687-4f45-9708-019B960494DF}">
-                <a14:hiddenLine xmlns:a14="http://schemas.microsoft.com/office/drawing/2010/main" xmlns="" w="9525">
+                <a14:hiddenLine xmlns="" xmlns:a14="http://schemas.microsoft.com/office/drawing/2010/main" w="9525">
                   <a:solidFill>
                     <a:srgbClr val="000000"/>
                   </a:solidFill>
@@ -1712,7 +1716,7 @@
             </a:ln>
             <a:extLst>
               <a:ext uri="{91240B29-F687-4f45-9708-019B960494DF}">
-                <a14:hiddenLine xmlns:a14="http://schemas.microsoft.com/office/drawing/2010/main" xmlns="" w="9525">
+                <a14:hiddenLine xmlns="" xmlns:a14="http://schemas.microsoft.com/office/drawing/2010/main" w="9525">
                   <a:solidFill>
                     <a:srgbClr val="000000"/>
                   </a:solidFill>
@@ -1768,7 +1772,7 @@
             </a:ln>
             <a:extLst>
               <a:ext uri="{91240B29-F687-4f45-9708-019B960494DF}">
-                <a14:hiddenLine xmlns:a14="http://schemas.microsoft.com/office/drawing/2010/main" xmlns="" w="9525">
+                <a14:hiddenLine xmlns="" xmlns:a14="http://schemas.microsoft.com/office/drawing/2010/main" w="9525">
                   <a:solidFill>
                     <a:srgbClr val="000000"/>
                   </a:solidFill>
@@ -1858,7 +1862,7 @@
             </a:ln>
             <a:extLst>
               <a:ext uri="{91240B29-F687-4f45-9708-019B960494DF}">
-                <a14:hiddenLine xmlns:a14="http://schemas.microsoft.com/office/drawing/2010/main" xmlns="" w="9525">
+                <a14:hiddenLine xmlns="" xmlns:a14="http://schemas.microsoft.com/office/drawing/2010/main" w="9525">
                   <a:solidFill>
                     <a:srgbClr val="000000"/>
                   </a:solidFill>
@@ -1914,7 +1918,7 @@
             </a:ln>
             <a:extLst>
               <a:ext uri="{91240B29-F687-4f45-9708-019B960494DF}">
-                <a14:hiddenLine xmlns:a14="http://schemas.microsoft.com/office/drawing/2010/main" xmlns="" w="9525">
+                <a14:hiddenLine xmlns="" xmlns:a14="http://schemas.microsoft.com/office/drawing/2010/main" w="9525">
                   <a:solidFill>
                     <a:srgbClr val="000000"/>
                   </a:solidFill>
@@ -2004,7 +2008,7 @@
             </a:ln>
             <a:extLst>
               <a:ext uri="{91240B29-F687-4f45-9708-019B960494DF}">
-                <a14:hiddenLine xmlns:a14="http://schemas.microsoft.com/office/drawing/2010/main" xmlns="" w="9525">
+                <a14:hiddenLine xmlns="" xmlns:a14="http://schemas.microsoft.com/office/drawing/2010/main" w="9525">
                   <a:solidFill>
                     <a:srgbClr val="000000"/>
                   </a:solidFill>
@@ -2072,7 +2076,7 @@
             </a:ln>
             <a:extLst>
               <a:ext uri="{91240B29-F687-4f45-9708-019B960494DF}">
-                <a14:hiddenLine xmlns:a14="http://schemas.microsoft.com/office/drawing/2010/main" xmlns="" w="9525">
+                <a14:hiddenLine xmlns="" xmlns:a14="http://schemas.microsoft.com/office/drawing/2010/main" w="9525">
                   <a:solidFill>
                     <a:srgbClr val="000000"/>
                   </a:solidFill>
@@ -2162,7 +2166,7 @@
             </a:ln>
             <a:extLst>
               <a:ext uri="{91240B29-F687-4f45-9708-019B960494DF}">
-                <a14:hiddenLine xmlns:a14="http://schemas.microsoft.com/office/drawing/2010/main" xmlns="" w="9525">
+                <a14:hiddenLine xmlns="" xmlns:a14="http://schemas.microsoft.com/office/drawing/2010/main" w="9525">
                   <a:solidFill>
                     <a:srgbClr val="000000"/>
                   </a:solidFill>
@@ -2230,7 +2234,7 @@
             </a:ln>
             <a:extLst>
               <a:ext uri="{91240B29-F687-4f45-9708-019B960494DF}">
-                <a14:hiddenLine xmlns:a14="http://schemas.microsoft.com/office/drawing/2010/main" xmlns="" w="9525">
+                <a14:hiddenLine xmlns="" xmlns:a14="http://schemas.microsoft.com/office/drawing/2010/main" w="9525">
                   <a:solidFill>
                     <a:srgbClr val="000000"/>
                   </a:solidFill>
@@ -2320,7 +2324,7 @@
             </a:ln>
             <a:extLst>
               <a:ext uri="{91240B29-F687-4f45-9708-019B960494DF}">
-                <a14:hiddenLine xmlns:a14="http://schemas.microsoft.com/office/drawing/2010/main" xmlns="" w="9525">
+                <a14:hiddenLine xmlns="" xmlns:a14="http://schemas.microsoft.com/office/drawing/2010/main" w="9525">
                   <a:solidFill>
                     <a:srgbClr val="000000"/>
                   </a:solidFill>
@@ -2354,7 +2358,7 @@
             </a:ln>
             <a:extLst>
               <a:ext uri="{91240B29-F687-4f45-9708-019B960494DF}">
-                <a14:hiddenLine xmlns:a14="http://schemas.microsoft.com/office/drawing/2010/main" xmlns="" w="9525">
+                <a14:hiddenLine xmlns="" xmlns:a14="http://schemas.microsoft.com/office/drawing/2010/main" w="9525">
                   <a:solidFill>
                     <a:srgbClr val="000000"/>
                   </a:solidFill>
@@ -2444,7 +2448,7 @@
             </a:ln>
             <a:extLst>
               <a:ext uri="{91240B29-F687-4f45-9708-019B960494DF}">
-                <a14:hiddenLine xmlns:a14="http://schemas.microsoft.com/office/drawing/2010/main" xmlns="" w="9525">
+                <a14:hiddenLine xmlns="" xmlns:a14="http://schemas.microsoft.com/office/drawing/2010/main" w="9525">
                   <a:solidFill>
                     <a:srgbClr val="000000"/>
                   </a:solidFill>
@@ -2506,7 +2510,7 @@
             </a:ln>
             <a:extLst>
               <a:ext uri="{91240B29-F687-4f45-9708-019B960494DF}">
-                <a14:hiddenLine xmlns:a14="http://schemas.microsoft.com/office/drawing/2010/main" xmlns="" w="9525">
+                <a14:hiddenLine xmlns="" xmlns:a14="http://schemas.microsoft.com/office/drawing/2010/main" w="9525">
                   <a:solidFill>
                     <a:srgbClr val="000000"/>
                   </a:solidFill>
@@ -2568,7 +2572,7 @@
             </a:ln>
             <a:extLst>
               <a:ext uri="{91240B29-F687-4f45-9708-019B960494DF}">
-                <a14:hiddenLine xmlns:a14="http://schemas.microsoft.com/office/drawing/2010/main" xmlns="" w="9525">
+                <a14:hiddenLine xmlns="" xmlns:a14="http://schemas.microsoft.com/office/drawing/2010/main" w="9525">
                   <a:solidFill>
                     <a:srgbClr val="000000"/>
                   </a:solidFill>
@@ -2658,7 +2662,7 @@
             </a:ln>
             <a:extLst>
               <a:ext uri="{91240B29-F687-4f45-9708-019B960494DF}">
-                <a14:hiddenLine xmlns:a14="http://schemas.microsoft.com/office/drawing/2010/main" xmlns="" w="9525">
+                <a14:hiddenLine xmlns="" xmlns:a14="http://schemas.microsoft.com/office/drawing/2010/main" w="9525">
                   <a:solidFill>
                     <a:srgbClr val="000000"/>
                   </a:solidFill>
@@ -2726,7 +2730,7 @@
             </a:ln>
             <a:extLst>
               <a:ext uri="{91240B29-F687-4f45-9708-019B960494DF}">
-                <a14:hiddenLine xmlns:a14="http://schemas.microsoft.com/office/drawing/2010/main" xmlns="" w="9525">
+                <a14:hiddenLine xmlns="" xmlns:a14="http://schemas.microsoft.com/office/drawing/2010/main" w="9525">
                   <a:solidFill>
                     <a:srgbClr val="000000"/>
                   </a:solidFill>
@@ -2788,7 +2792,7 @@
             </a:ln>
             <a:extLst>
               <a:ext uri="{91240B29-F687-4f45-9708-019B960494DF}">
-                <a14:hiddenLine xmlns:a14="http://schemas.microsoft.com/office/drawing/2010/main" xmlns="" w="9525">
+                <a14:hiddenLine xmlns="" xmlns:a14="http://schemas.microsoft.com/office/drawing/2010/main" w="9525">
                   <a:solidFill>
                     <a:srgbClr val="000000"/>
                   </a:solidFill>
@@ -2878,7 +2882,7 @@
             </a:ln>
             <a:extLst>
               <a:ext uri="{91240B29-F687-4f45-9708-019B960494DF}">
-                <a14:hiddenLine xmlns:a14="http://schemas.microsoft.com/office/drawing/2010/main" xmlns="" w="9525">
+                <a14:hiddenLine xmlns="" xmlns:a14="http://schemas.microsoft.com/office/drawing/2010/main" w="9525">
                   <a:solidFill>
                     <a:srgbClr val="000000"/>
                   </a:solidFill>
@@ -2940,7 +2944,7 @@
             </a:ln>
             <a:extLst>
               <a:ext uri="{91240B29-F687-4f45-9708-019B960494DF}">
-                <a14:hiddenLine xmlns:a14="http://schemas.microsoft.com/office/drawing/2010/main" xmlns="" w="9525">
+                <a14:hiddenLine xmlns="" xmlns:a14="http://schemas.microsoft.com/office/drawing/2010/main" w="9525">
                   <a:solidFill>
                     <a:srgbClr val="000000"/>
                   </a:solidFill>
@@ -3030,7 +3034,7 @@
             </a:ln>
             <a:extLst>
               <a:ext uri="{91240B29-F687-4f45-9708-019B960494DF}">
-                <a14:hiddenLine xmlns:a14="http://schemas.microsoft.com/office/drawing/2010/main" xmlns="" w="9525">
+                <a14:hiddenLine xmlns="" xmlns:a14="http://schemas.microsoft.com/office/drawing/2010/main" w="9525">
                   <a:solidFill>
                     <a:srgbClr val="000000"/>
                   </a:solidFill>
@@ -3092,7 +3096,7 @@
             </a:ln>
             <a:extLst>
               <a:ext uri="{91240B29-F687-4f45-9708-019B960494DF}">
-                <a14:hiddenLine xmlns:a14="http://schemas.microsoft.com/office/drawing/2010/main" xmlns="" w="9525">
+                <a14:hiddenLine xmlns="" xmlns:a14="http://schemas.microsoft.com/office/drawing/2010/main" w="9525">
                   <a:solidFill>
                     <a:srgbClr val="000000"/>
                   </a:solidFill>
@@ -3182,7 +3186,7 @@
             </a:ln>
             <a:extLst>
               <a:ext uri="{91240B29-F687-4f45-9708-019B960494DF}">
-                <a14:hiddenLine xmlns:a14="http://schemas.microsoft.com/office/drawing/2010/main" xmlns="" w="9525">
+                <a14:hiddenLine xmlns="" xmlns:a14="http://schemas.microsoft.com/office/drawing/2010/main" w="9525">
                   <a:solidFill>
                     <a:srgbClr val="000000"/>
                   </a:solidFill>
@@ -3216,7 +3220,7 @@
             </a:ln>
             <a:extLst>
               <a:ext uri="{91240B29-F687-4f45-9708-019B960494DF}">
-                <a14:hiddenLine xmlns:a14="http://schemas.microsoft.com/office/drawing/2010/main" xmlns="" w="9525">
+                <a14:hiddenLine xmlns="" xmlns:a14="http://schemas.microsoft.com/office/drawing/2010/main" w="9525">
                   <a:solidFill>
                     <a:srgbClr val="000000"/>
                   </a:solidFill>
@@ -3281,7 +3285,7 @@
             </a:ln>
             <a:extLst>
               <a:ext uri="{91240B29-F687-4f45-9708-019B960494DF}">
-                <a14:hiddenLine xmlns:a14="http://schemas.microsoft.com/office/drawing/2010/main" xmlns="" w="9525">
+                <a14:hiddenLine xmlns="" xmlns:a14="http://schemas.microsoft.com/office/drawing/2010/main" w="9525">
                   <a:solidFill>
                     <a:srgbClr val="000000"/>
                   </a:solidFill>
@@ -3371,7 +3375,7 @@
             </a:ln>
             <a:extLst>
               <a:ext uri="{91240B29-F687-4f45-9708-019B960494DF}">
-                <a14:hiddenLine xmlns:a14="http://schemas.microsoft.com/office/drawing/2010/main" xmlns="" w="9525">
+                <a14:hiddenLine xmlns="" xmlns:a14="http://schemas.microsoft.com/office/drawing/2010/main" w="9525">
                   <a:solidFill>
                     <a:srgbClr val="000000"/>
                   </a:solidFill>
@@ -3433,7 +3437,7 @@
             </a:ln>
             <a:extLst>
               <a:ext uri="{91240B29-F687-4f45-9708-019B960494DF}">
-                <a14:hiddenLine xmlns:a14="http://schemas.microsoft.com/office/drawing/2010/main" xmlns="" w="9525">
+                <a14:hiddenLine xmlns="" xmlns:a14="http://schemas.microsoft.com/office/drawing/2010/main" w="9525">
                   <a:solidFill>
                     <a:srgbClr val="000000"/>
                   </a:solidFill>
@@ -3523,7 +3527,7 @@
             </a:ln>
             <a:extLst>
               <a:ext uri="{91240B29-F687-4f45-9708-019B960494DF}">
-                <a14:hiddenLine xmlns:a14="http://schemas.microsoft.com/office/drawing/2010/main" xmlns="" w="9525">
+                <a14:hiddenLine xmlns="" xmlns:a14="http://schemas.microsoft.com/office/drawing/2010/main" w="9525">
                   <a:solidFill>
                     <a:srgbClr val="000000"/>
                   </a:solidFill>
@@ -3613,7 +3617,7 @@
             </a:ln>
             <a:extLst>
               <a:ext uri="{91240B29-F687-4f45-9708-019B960494DF}">
-                <a14:hiddenLine xmlns:a14="http://schemas.microsoft.com/office/drawing/2010/main" xmlns="" w="9525">
+                <a14:hiddenLine xmlns="" xmlns:a14="http://schemas.microsoft.com/office/drawing/2010/main" w="9525">
                   <a:solidFill>
                     <a:srgbClr val="000000"/>
                   </a:solidFill>
@@ -3678,7 +3682,7 @@
             </a:ln>
             <a:extLst>
               <a:ext uri="{91240B29-F687-4f45-9708-019B960494DF}">
-                <a14:hiddenLine xmlns:a14="http://schemas.microsoft.com/office/drawing/2010/main" xmlns="" w="9525">
+                <a14:hiddenLine xmlns="" xmlns:a14="http://schemas.microsoft.com/office/drawing/2010/main" w="9525">
                   <a:solidFill>
                     <a:srgbClr val="000000"/>
                   </a:solidFill>
@@ -3740,7 +3744,7 @@
             </a:ln>
             <a:extLst>
               <a:ext uri="{91240B29-F687-4f45-9708-019B960494DF}">
-                <a14:hiddenLine xmlns:a14="http://schemas.microsoft.com/office/drawing/2010/main" xmlns="" w="9525">
+                <a14:hiddenLine xmlns="" xmlns:a14="http://schemas.microsoft.com/office/drawing/2010/main" w="9525">
                   <a:solidFill>
                     <a:srgbClr val="000000"/>
                   </a:solidFill>
@@ -3830,7 +3834,7 @@
             </a:ln>
             <a:extLst>
               <a:ext uri="{91240B29-F687-4f45-9708-019B960494DF}">
-                <a14:hiddenLine xmlns:a14="http://schemas.microsoft.com/office/drawing/2010/main" xmlns="" w="9525">
+                <a14:hiddenLine xmlns="" xmlns:a14="http://schemas.microsoft.com/office/drawing/2010/main" w="9525">
                   <a:solidFill>
                     <a:srgbClr val="000000"/>
                   </a:solidFill>
@@ -3920,7 +3924,7 @@
             </a:ln>
             <a:extLst>
               <a:ext uri="{91240B29-F687-4f45-9708-019B960494DF}">
-                <a14:hiddenLine xmlns:a14="http://schemas.microsoft.com/office/drawing/2010/main" xmlns="" w="9525">
+                <a14:hiddenLine xmlns="" xmlns:a14="http://schemas.microsoft.com/office/drawing/2010/main" w="9525">
                   <a:solidFill>
                     <a:srgbClr val="000000"/>
                   </a:solidFill>
@@ -3982,7 +3986,7 @@
             </a:ln>
             <a:extLst>
               <a:ext uri="{91240B29-F687-4f45-9708-019B960494DF}">
-                <a14:hiddenLine xmlns:a14="http://schemas.microsoft.com/office/drawing/2010/main" xmlns="" w="9525">
+                <a14:hiddenLine xmlns="" xmlns:a14="http://schemas.microsoft.com/office/drawing/2010/main" w="9525">
                   <a:solidFill>
                     <a:srgbClr val="000000"/>
                   </a:solidFill>
@@ -4102,7 +4106,7 @@
             </a:ln>
             <a:extLst>
               <a:ext uri="{91240B29-F687-4f45-9708-019B960494DF}">
-                <a14:hiddenLine xmlns:a14="http://schemas.microsoft.com/office/drawing/2010/main" xmlns="" w="9525">
+                <a14:hiddenLine xmlns="" xmlns:a14="http://schemas.microsoft.com/office/drawing/2010/main" w="9525">
                   <a:solidFill>
                     <a:srgbClr val="000000"/>
                   </a:solidFill>
@@ -4170,7 +4174,7 @@
             </a:ln>
             <a:extLst>
               <a:ext uri="{91240B29-F687-4f45-9708-019B960494DF}">
-                <a14:hiddenLine xmlns:a14="http://schemas.microsoft.com/office/drawing/2010/main" xmlns="" w="9525">
+                <a14:hiddenLine xmlns="" xmlns:a14="http://schemas.microsoft.com/office/drawing/2010/main" w="9525">
                   <a:solidFill>
                     <a:srgbClr val="000000"/>
                   </a:solidFill>
@@ -4260,7 +4264,7 @@
             </a:ln>
             <a:extLst>
               <a:ext uri="{91240B29-F687-4f45-9708-019B960494DF}">
-                <a14:hiddenLine xmlns:a14="http://schemas.microsoft.com/office/drawing/2010/main" xmlns="" w="9525">
+                <a14:hiddenLine xmlns="" xmlns:a14="http://schemas.microsoft.com/office/drawing/2010/main" w="9525">
                   <a:solidFill>
                     <a:srgbClr val="000000"/>
                   </a:solidFill>
@@ -4400,7 +4404,7 @@
           <a:p>
             <a:fld id="{48A87A34-81AB-432B-8DAE-1953F412C126}" type="datetimeFigureOut">
               <a:rPr lang="en-US" dirty="0"/>
-              <a:t>7/12/2018</a:t>
+              <a:t>7/14/2018</a:t>
             </a:fld>
             <a:endParaRPr lang="en-US" dirty="0"/>
           </a:p>
@@ -4661,7 +4665,7 @@
           <a:p>
             <a:fld id="{48A87A34-81AB-432B-8DAE-1953F412C126}" type="datetimeFigureOut">
               <a:rPr lang="en-US" dirty="0"/>
-              <a:t>7/12/2018</a:t>
+              <a:t>7/14/2018</a:t>
             </a:fld>
             <a:endParaRPr lang="en-US" dirty="0"/>
           </a:p>
@@ -4852,7 +4856,7 @@
           <a:p>
             <a:fld id="{48A87A34-81AB-432B-8DAE-1953F412C126}" type="datetimeFigureOut">
               <a:rPr lang="en-US" dirty="0"/>
-              <a:t>7/12/2018</a:t>
+              <a:t>7/14/2018</a:t>
             </a:fld>
             <a:endParaRPr lang="en-US" dirty="0"/>
           </a:p>
@@ -5110,7 +5114,7 @@
           <a:p>
             <a:fld id="{48A87A34-81AB-432B-8DAE-1953F412C126}" type="datetimeFigureOut">
               <a:rPr lang="en-US" dirty="0"/>
-              <a:t>7/12/2018</a:t>
+              <a:t>7/14/2018</a:t>
             </a:fld>
             <a:endParaRPr lang="en-US" dirty="0"/>
           </a:p>
@@ -5539,7 +5543,7 @@
           <a:p>
             <a:fld id="{48A87A34-81AB-432B-8DAE-1953F412C126}" type="datetimeFigureOut">
               <a:rPr lang="en-US" dirty="0"/>
-              <a:t>7/12/2018</a:t>
+              <a:t>7/14/2018</a:t>
             </a:fld>
             <a:endParaRPr lang="en-US" dirty="0"/>
           </a:p>
@@ -6080,7 +6084,7 @@
           <a:p>
             <a:fld id="{48A87A34-81AB-432B-8DAE-1953F412C126}" type="datetimeFigureOut">
               <a:rPr lang="en-US" dirty="0"/>
-              <a:t>7/12/2018</a:t>
+              <a:t>7/14/2018</a:t>
             </a:fld>
             <a:endParaRPr lang="en-US" dirty="0"/>
           </a:p>
@@ -6792,7 +6796,7 @@
           <a:p>
             <a:fld id="{48A87A34-81AB-432B-8DAE-1953F412C126}" type="datetimeFigureOut">
               <a:rPr lang="en-US" dirty="0"/>
-              <a:t>7/12/2018</a:t>
+              <a:t>7/14/2018</a:t>
             </a:fld>
             <a:endParaRPr lang="en-US" dirty="0"/>
           </a:p>
@@ -6957,7 +6961,7 @@
           <a:p>
             <a:fld id="{48A87A34-81AB-432B-8DAE-1953F412C126}" type="datetimeFigureOut">
               <a:rPr lang="en-US" dirty="0"/>
-              <a:t>7/12/2018</a:t>
+              <a:t>7/14/2018</a:t>
             </a:fld>
             <a:endParaRPr lang="en-US" dirty="0"/>
           </a:p>
@@ -7132,7 +7136,7 @@
           <a:p>
             <a:fld id="{48A87A34-81AB-432B-8DAE-1953F412C126}" type="datetimeFigureOut">
               <a:rPr lang="en-US" dirty="0"/>
-              <a:t>7/12/2018</a:t>
+              <a:t>7/14/2018</a:t>
             </a:fld>
             <a:endParaRPr lang="en-US" dirty="0"/>
           </a:p>
@@ -7297,7 +7301,7 @@
           <a:p>
             <a:fld id="{48A87A34-81AB-432B-8DAE-1953F412C126}" type="datetimeFigureOut">
               <a:rPr lang="en-US" dirty="0"/>
-              <a:t>7/12/2018</a:t>
+              <a:t>7/14/2018</a:t>
             </a:fld>
             <a:endParaRPr lang="en-US" dirty="0"/>
           </a:p>
@@ -7542,7 +7546,7 @@
           <a:p>
             <a:fld id="{48A87A34-81AB-432B-8DAE-1953F412C126}" type="datetimeFigureOut">
               <a:rPr lang="en-US" dirty="0"/>
-              <a:t>7/12/2018</a:t>
+              <a:t>7/14/2018</a:t>
             </a:fld>
             <a:endParaRPr lang="en-US" dirty="0"/>
           </a:p>
@@ -7769,7 +7773,7 @@
           <a:p>
             <a:fld id="{48A87A34-81AB-432B-8DAE-1953F412C126}" type="datetimeFigureOut">
               <a:rPr lang="en-US" dirty="0"/>
-              <a:t>7/12/2018</a:t>
+              <a:t>7/14/2018</a:t>
             </a:fld>
             <a:endParaRPr lang="en-US" dirty="0"/>
           </a:p>
@@ -8145,7 +8149,7 @@
           <a:p>
             <a:fld id="{48A87A34-81AB-432B-8DAE-1953F412C126}" type="datetimeFigureOut">
               <a:rPr lang="en-US" dirty="0"/>
-              <a:t>7/12/2018</a:t>
+              <a:t>7/14/2018</a:t>
             </a:fld>
             <a:endParaRPr lang="en-US" dirty="0"/>
           </a:p>
@@ -8258,7 +8262,7 @@
           <a:p>
             <a:fld id="{48A87A34-81AB-432B-8DAE-1953F412C126}" type="datetimeFigureOut">
               <a:rPr lang="en-US" dirty="0"/>
-              <a:t>7/12/2018</a:t>
+              <a:t>7/14/2018</a:t>
             </a:fld>
             <a:endParaRPr lang="en-US" dirty="0"/>
           </a:p>
@@ -8348,7 +8352,7 @@
           <a:p>
             <a:fld id="{48A87A34-81AB-432B-8DAE-1953F412C126}" type="datetimeFigureOut">
               <a:rPr lang="en-US" dirty="0"/>
-              <a:t>7/12/2018</a:t>
+              <a:t>7/14/2018</a:t>
             </a:fld>
             <a:endParaRPr lang="en-US" dirty="0"/>
           </a:p>
@@ -8592,7 +8596,7 @@
           <a:p>
             <a:fld id="{48A87A34-81AB-432B-8DAE-1953F412C126}" type="datetimeFigureOut">
               <a:rPr lang="en-US" dirty="0"/>
-              <a:t>7/12/2018</a:t>
+              <a:t>7/14/2018</a:t>
             </a:fld>
             <a:endParaRPr lang="en-US" dirty="0"/>
           </a:p>
@@ -8866,7 +8870,7 @@
           <a:p>
             <a:fld id="{48A87A34-81AB-432B-8DAE-1953F412C126}" type="datetimeFigureOut">
               <a:rPr lang="en-US" dirty="0"/>
-              <a:t>7/12/2018</a:t>
+              <a:t>7/14/2018</a:t>
             </a:fld>
             <a:endParaRPr lang="en-US" dirty="0"/>
           </a:p>
@@ -8977,7 +8981,7 @@
           <a:noFill/>
           <a:extLst>
             <a:ext uri="{909E8E84-426E-40dd-AFC4-6F175D3DCCD1}">
-              <a14:hiddenFill xmlns:a14="http://schemas.microsoft.com/office/drawing/2010/main" xmlns="">
+              <a14:hiddenFill xmlns="" xmlns:a14="http://schemas.microsoft.com/office/drawing/2010/main">
                 <a:solidFill>
                   <a:srgbClr val="FFFFFF"/>
                 </a:solidFill>
@@ -9051,7 +9055,7 @@
               </a:ln>
               <a:extLst>
                 <a:ext uri="{91240B29-F687-4f45-9708-019B960494DF}">
-                  <a14:hiddenLine xmlns:a14="http://schemas.microsoft.com/office/drawing/2010/main" xmlns="" w="9525">
+                  <a14:hiddenLine xmlns="" xmlns:a14="http://schemas.microsoft.com/office/drawing/2010/main" w="9525">
                     <a:solidFill>
                       <a:srgbClr val="000000"/>
                     </a:solidFill>
@@ -9141,7 +9145,7 @@
               </a:ln>
               <a:extLst>
                 <a:ext uri="{91240B29-F687-4f45-9708-019B960494DF}">
-                  <a14:hiddenLine xmlns:a14="http://schemas.microsoft.com/office/drawing/2010/main" xmlns="" w="9525">
+                  <a14:hiddenLine xmlns="" xmlns:a14="http://schemas.microsoft.com/office/drawing/2010/main" w="9525">
                     <a:solidFill>
                       <a:srgbClr val="000000"/>
                     </a:solidFill>
@@ -9231,7 +9235,7 @@
               </a:ln>
               <a:extLst>
                 <a:ext uri="{91240B29-F687-4f45-9708-019B960494DF}">
-                  <a14:hiddenLine xmlns:a14="http://schemas.microsoft.com/office/drawing/2010/main" xmlns="" w="9525">
+                  <a14:hiddenLine xmlns="" xmlns:a14="http://schemas.microsoft.com/office/drawing/2010/main" w="9525">
                     <a:solidFill>
                       <a:srgbClr val="000000"/>
                     </a:solidFill>
@@ -9293,7 +9297,7 @@
               </a:ln>
               <a:extLst>
                 <a:ext uri="{91240B29-F687-4f45-9708-019B960494DF}">
-                  <a14:hiddenLine xmlns:a14="http://schemas.microsoft.com/office/drawing/2010/main" xmlns="" w="9525">
+                  <a14:hiddenLine xmlns="" xmlns:a14="http://schemas.microsoft.com/office/drawing/2010/main" w="9525">
                     <a:solidFill>
                       <a:srgbClr val="000000"/>
                     </a:solidFill>
@@ -9383,7 +9387,7 @@
               </a:ln>
               <a:extLst>
                 <a:ext uri="{91240B29-F687-4f45-9708-019B960494DF}">
-                  <a14:hiddenLine xmlns:a14="http://schemas.microsoft.com/office/drawing/2010/main" xmlns="" w="9525">
+                  <a14:hiddenLine xmlns="" xmlns:a14="http://schemas.microsoft.com/office/drawing/2010/main" w="9525">
                     <a:solidFill>
                       <a:srgbClr val="000000"/>
                     </a:solidFill>
@@ -9445,7 +9449,7 @@
               </a:ln>
               <a:extLst>
                 <a:ext uri="{91240B29-F687-4f45-9708-019B960494DF}">
-                  <a14:hiddenLine xmlns:a14="http://schemas.microsoft.com/office/drawing/2010/main" xmlns="" w="9525">
+                  <a14:hiddenLine xmlns="" xmlns:a14="http://schemas.microsoft.com/office/drawing/2010/main" w="9525">
                     <a:solidFill>
                       <a:srgbClr val="000000"/>
                     </a:solidFill>
@@ -9507,7 +9511,7 @@
               </a:ln>
               <a:extLst>
                 <a:ext uri="{91240B29-F687-4f45-9708-019B960494DF}">
-                  <a14:hiddenLine xmlns:a14="http://schemas.microsoft.com/office/drawing/2010/main" xmlns="" w="9525">
+                  <a14:hiddenLine xmlns="" xmlns:a14="http://schemas.microsoft.com/office/drawing/2010/main" w="9525">
                     <a:solidFill>
                       <a:srgbClr val="000000"/>
                     </a:solidFill>
@@ -9597,7 +9601,7 @@
               </a:ln>
               <a:extLst>
                 <a:ext uri="{91240B29-F687-4f45-9708-019B960494DF}">
-                  <a14:hiddenLine xmlns:a14="http://schemas.microsoft.com/office/drawing/2010/main" xmlns="" w="9525">
+                  <a14:hiddenLine xmlns="" xmlns:a14="http://schemas.microsoft.com/office/drawing/2010/main" w="9525">
                     <a:solidFill>
                       <a:srgbClr val="000000"/>
                     </a:solidFill>
@@ -9687,7 +9691,7 @@
               </a:ln>
               <a:extLst>
                 <a:ext uri="{91240B29-F687-4f45-9708-019B960494DF}">
-                  <a14:hiddenLine xmlns:a14="http://schemas.microsoft.com/office/drawing/2010/main" xmlns="" w="9525">
+                  <a14:hiddenLine xmlns="" xmlns:a14="http://schemas.microsoft.com/office/drawing/2010/main" w="9525">
                     <a:solidFill>
                       <a:srgbClr val="000000"/>
                     </a:solidFill>
@@ -9749,7 +9753,7 @@
               </a:ln>
               <a:extLst>
                 <a:ext uri="{91240B29-F687-4f45-9708-019B960494DF}">
-                  <a14:hiddenLine xmlns:a14="http://schemas.microsoft.com/office/drawing/2010/main" xmlns="" w="9525">
+                  <a14:hiddenLine xmlns="" xmlns:a14="http://schemas.microsoft.com/office/drawing/2010/main" w="9525">
                     <a:solidFill>
                       <a:srgbClr val="000000"/>
                     </a:solidFill>
@@ -9859,7 +9863,7 @@
               </a:ln>
               <a:extLst>
                 <a:ext uri="{91240B29-F687-4f45-9708-019B960494DF}">
-                  <a14:hiddenLine xmlns:a14="http://schemas.microsoft.com/office/drawing/2010/main" xmlns="" w="9525">
+                  <a14:hiddenLine xmlns="" xmlns:a14="http://schemas.microsoft.com/office/drawing/2010/main" w="9525">
                     <a:solidFill>
                       <a:srgbClr val="000000"/>
                     </a:solidFill>
@@ -9943,7 +9947,7 @@
               </a:ln>
               <a:extLst>
                 <a:ext uri="{91240B29-F687-4f45-9708-019B960494DF}">
-                  <a14:hiddenLine xmlns:a14="http://schemas.microsoft.com/office/drawing/2010/main" xmlns="" w="9525">
+                  <a14:hiddenLine xmlns="" xmlns:a14="http://schemas.microsoft.com/office/drawing/2010/main" w="9525">
                     <a:solidFill>
                       <a:srgbClr val="000000"/>
                     </a:solidFill>
@@ -10005,7 +10009,7 @@
               </a:ln>
               <a:extLst>
                 <a:ext uri="{91240B29-F687-4f45-9708-019B960494DF}">
-                  <a14:hiddenLine xmlns:a14="http://schemas.microsoft.com/office/drawing/2010/main" xmlns="" w="9525">
+                  <a14:hiddenLine xmlns="" xmlns:a14="http://schemas.microsoft.com/office/drawing/2010/main" w="9525">
                     <a:solidFill>
                       <a:srgbClr val="000000"/>
                     </a:solidFill>
@@ -10067,7 +10071,7 @@
               </a:ln>
               <a:extLst>
                 <a:ext uri="{91240B29-F687-4f45-9708-019B960494DF}">
-                  <a14:hiddenLine xmlns:a14="http://schemas.microsoft.com/office/drawing/2010/main" xmlns="" w="9525">
+                  <a14:hiddenLine xmlns="" xmlns:a14="http://schemas.microsoft.com/office/drawing/2010/main" w="9525">
                     <a:solidFill>
                       <a:srgbClr val="000000"/>
                     </a:solidFill>
@@ -10157,7 +10161,7 @@
               </a:ln>
               <a:extLst>
                 <a:ext uri="{91240B29-F687-4f45-9708-019B960494DF}">
-                  <a14:hiddenLine xmlns:a14="http://schemas.microsoft.com/office/drawing/2010/main" xmlns="" w="9525">
+                  <a14:hiddenLine xmlns="" xmlns:a14="http://schemas.microsoft.com/office/drawing/2010/main" w="9525">
                     <a:solidFill>
                       <a:srgbClr val="000000"/>
                     </a:solidFill>
@@ -10191,7 +10195,7 @@
               </a:ln>
               <a:extLst>
                 <a:ext uri="{91240B29-F687-4f45-9708-019B960494DF}">
-                  <a14:hiddenLine xmlns:a14="http://schemas.microsoft.com/office/drawing/2010/main" xmlns="" w="9525">
+                  <a14:hiddenLine xmlns="" xmlns:a14="http://schemas.microsoft.com/office/drawing/2010/main" w="9525">
                     <a:solidFill>
                       <a:srgbClr val="000000"/>
                     </a:solidFill>
@@ -10256,7 +10260,7 @@
               </a:ln>
               <a:extLst>
                 <a:ext uri="{91240B29-F687-4f45-9708-019B960494DF}">
-                  <a14:hiddenLine xmlns:a14="http://schemas.microsoft.com/office/drawing/2010/main" xmlns="" w="9525">
+                  <a14:hiddenLine xmlns="" xmlns:a14="http://schemas.microsoft.com/office/drawing/2010/main" w="9525">
                     <a:solidFill>
                       <a:srgbClr val="000000"/>
                     </a:solidFill>
@@ -10346,7 +10350,7 @@
               </a:ln>
               <a:extLst>
                 <a:ext uri="{91240B29-F687-4f45-9708-019B960494DF}">
-                  <a14:hiddenLine xmlns:a14="http://schemas.microsoft.com/office/drawing/2010/main" xmlns="" w="9525">
+                  <a14:hiddenLine xmlns="" xmlns:a14="http://schemas.microsoft.com/office/drawing/2010/main" w="9525">
                     <a:solidFill>
                       <a:srgbClr val="000000"/>
                     </a:solidFill>
@@ -10408,7 +10412,7 @@
               </a:ln>
               <a:extLst>
                 <a:ext uri="{91240B29-F687-4f45-9708-019B960494DF}">
-                  <a14:hiddenLine xmlns:a14="http://schemas.microsoft.com/office/drawing/2010/main" xmlns="" w="9525">
+                  <a14:hiddenLine xmlns="" xmlns:a14="http://schemas.microsoft.com/office/drawing/2010/main" w="9525">
                     <a:solidFill>
                       <a:srgbClr val="000000"/>
                     </a:solidFill>
@@ -10498,7 +10502,7 @@
               </a:ln>
               <a:extLst>
                 <a:ext uri="{91240B29-F687-4f45-9708-019B960494DF}">
-                  <a14:hiddenLine xmlns:a14="http://schemas.microsoft.com/office/drawing/2010/main" xmlns="" w="9525">
+                  <a14:hiddenLine xmlns="" xmlns:a14="http://schemas.microsoft.com/office/drawing/2010/main" w="9525">
                     <a:solidFill>
                       <a:srgbClr val="000000"/>
                     </a:solidFill>
@@ -10563,7 +10567,7 @@
               </a:ln>
               <a:extLst>
                 <a:ext uri="{91240B29-F687-4f45-9708-019B960494DF}">
-                  <a14:hiddenLine xmlns:a14="http://schemas.microsoft.com/office/drawing/2010/main" xmlns="" w="9525">
+                  <a14:hiddenLine xmlns="" xmlns:a14="http://schemas.microsoft.com/office/drawing/2010/main" w="9525">
                     <a:solidFill>
                       <a:srgbClr val="000000"/>
                     </a:solidFill>
@@ -10625,7 +10629,7 @@
               </a:ln>
               <a:extLst>
                 <a:ext uri="{91240B29-F687-4f45-9708-019B960494DF}">
-                  <a14:hiddenLine xmlns:a14="http://schemas.microsoft.com/office/drawing/2010/main" xmlns="" w="9525">
+                  <a14:hiddenLine xmlns="" xmlns:a14="http://schemas.microsoft.com/office/drawing/2010/main" w="9525">
                     <a:solidFill>
                       <a:srgbClr val="000000"/>
                     </a:solidFill>
@@ -10715,7 +10719,7 @@
               </a:ln>
               <a:extLst>
                 <a:ext uri="{91240B29-F687-4f45-9708-019B960494DF}">
-                  <a14:hiddenLine xmlns:a14="http://schemas.microsoft.com/office/drawing/2010/main" xmlns="" w="9525">
+                  <a14:hiddenLine xmlns="" xmlns:a14="http://schemas.microsoft.com/office/drawing/2010/main" w="9525">
                     <a:solidFill>
                       <a:srgbClr val="000000"/>
                     </a:solidFill>
@@ -10805,7 +10809,7 @@
               </a:ln>
               <a:extLst>
                 <a:ext uri="{91240B29-F687-4f45-9708-019B960494DF}">
-                  <a14:hiddenLine xmlns:a14="http://schemas.microsoft.com/office/drawing/2010/main" xmlns="" w="9525">
+                  <a14:hiddenLine xmlns="" xmlns:a14="http://schemas.microsoft.com/office/drawing/2010/main" w="9525">
                     <a:solidFill>
                       <a:srgbClr val="000000"/>
                     </a:solidFill>
@@ -10870,7 +10874,7 @@
               </a:ln>
               <a:extLst>
                 <a:ext uri="{91240B29-F687-4f45-9708-019B960494DF}">
-                  <a14:hiddenLine xmlns:a14="http://schemas.microsoft.com/office/drawing/2010/main" xmlns="" w="9525">
+                  <a14:hiddenLine xmlns="" xmlns:a14="http://schemas.microsoft.com/office/drawing/2010/main" w="9525">
                     <a:solidFill>
                       <a:srgbClr val="000000"/>
                     </a:solidFill>
@@ -10990,7 +10994,7 @@
               </a:ln>
               <a:extLst>
                 <a:ext uri="{91240B29-F687-4f45-9708-019B960494DF}">
-                  <a14:hiddenLine xmlns:a14="http://schemas.microsoft.com/office/drawing/2010/main" xmlns="" w="9525">
+                  <a14:hiddenLine xmlns="" xmlns:a14="http://schemas.microsoft.com/office/drawing/2010/main" w="9525">
                     <a:solidFill>
                       <a:srgbClr val="000000"/>
                     </a:solidFill>
@@ -11088,7 +11092,7 @@
               </a:ln>
               <a:extLst>
                 <a:ext uri="{91240B29-F687-4f45-9708-019B960494DF}">
-                  <a14:hiddenLine xmlns:a14="http://schemas.microsoft.com/office/drawing/2010/main" xmlns="" w="9525">
+                  <a14:hiddenLine xmlns="" xmlns:a14="http://schemas.microsoft.com/office/drawing/2010/main" w="9525">
                     <a:solidFill>
                       <a:srgbClr val="000000"/>
                     </a:solidFill>
@@ -11203,7 +11207,7 @@
               </a:ln>
               <a:extLst>
                 <a:ext uri="{91240B29-F687-4f45-9708-019B960494DF}">
-                  <a14:hiddenLine xmlns:a14="http://schemas.microsoft.com/office/drawing/2010/main" xmlns="" w="9525">
+                  <a14:hiddenLine xmlns="" xmlns:a14="http://schemas.microsoft.com/office/drawing/2010/main" w="9525">
                     <a:solidFill>
                       <a:srgbClr val="000000"/>
                     </a:solidFill>
@@ -11293,7 +11297,7 @@
               </a:ln>
               <a:extLst>
                 <a:ext uri="{91240B29-F687-4f45-9708-019B960494DF}">
-                  <a14:hiddenLine xmlns:a14="http://schemas.microsoft.com/office/drawing/2010/main" xmlns="" w="9525">
+                  <a14:hiddenLine xmlns="" xmlns:a14="http://schemas.microsoft.com/office/drawing/2010/main" w="9525">
                     <a:solidFill>
                       <a:srgbClr val="000000"/>
                     </a:solidFill>
@@ -11358,7 +11362,7 @@
               </a:ln>
               <a:extLst>
                 <a:ext uri="{91240B29-F687-4f45-9708-019B960494DF}">
-                  <a14:hiddenLine xmlns:a14="http://schemas.microsoft.com/office/drawing/2010/main" xmlns="" w="9525">
+                  <a14:hiddenLine xmlns="" xmlns:a14="http://schemas.microsoft.com/office/drawing/2010/main" w="9525">
                     <a:solidFill>
                       <a:srgbClr val="000000"/>
                     </a:solidFill>
@@ -11448,7 +11452,7 @@
               </a:ln>
               <a:extLst>
                 <a:ext uri="{91240B29-F687-4f45-9708-019B960494DF}">
-                  <a14:hiddenLine xmlns:a14="http://schemas.microsoft.com/office/drawing/2010/main" xmlns="" w="9525">
+                  <a14:hiddenLine xmlns="" xmlns:a14="http://schemas.microsoft.com/office/drawing/2010/main" w="9525">
                     <a:solidFill>
                       <a:srgbClr val="000000"/>
                     </a:solidFill>
@@ -11516,7 +11520,7 @@
               </a:ln>
               <a:extLst>
                 <a:ext uri="{91240B29-F687-4f45-9708-019B960494DF}">
-                  <a14:hiddenLine xmlns:a14="http://schemas.microsoft.com/office/drawing/2010/main" xmlns="" w="9525">
+                  <a14:hiddenLine xmlns="" xmlns:a14="http://schemas.microsoft.com/office/drawing/2010/main" w="9525">
                     <a:solidFill>
                       <a:srgbClr val="000000"/>
                     </a:solidFill>
@@ -11606,7 +11610,7 @@
               </a:ln>
               <a:extLst>
                 <a:ext uri="{91240B29-F687-4f45-9708-019B960494DF}">
-                  <a14:hiddenLine xmlns:a14="http://schemas.microsoft.com/office/drawing/2010/main" xmlns="" w="9525">
+                  <a14:hiddenLine xmlns="" xmlns:a14="http://schemas.microsoft.com/office/drawing/2010/main" w="9525">
                     <a:solidFill>
                       <a:srgbClr val="000000"/>
                     </a:solidFill>
@@ -11674,7 +11678,7 @@
               </a:ln>
               <a:extLst>
                 <a:ext uri="{91240B29-F687-4f45-9708-019B960494DF}">
-                  <a14:hiddenLine xmlns:a14="http://schemas.microsoft.com/office/drawing/2010/main" xmlns="" w="9525">
+                  <a14:hiddenLine xmlns="" xmlns:a14="http://schemas.microsoft.com/office/drawing/2010/main" w="9525">
                     <a:solidFill>
                       <a:srgbClr val="000000"/>
                     </a:solidFill>
@@ -11764,7 +11768,7 @@
               </a:ln>
               <a:extLst>
                 <a:ext uri="{91240B29-F687-4f45-9708-019B960494DF}">
-                  <a14:hiddenLine xmlns:a14="http://schemas.microsoft.com/office/drawing/2010/main" xmlns="" w="9525">
+                  <a14:hiddenLine xmlns="" xmlns:a14="http://schemas.microsoft.com/office/drawing/2010/main" w="9525">
                     <a:solidFill>
                       <a:srgbClr val="000000"/>
                     </a:solidFill>
@@ -11798,7 +11802,7 @@
               </a:ln>
               <a:extLst>
                 <a:ext uri="{91240B29-F687-4f45-9708-019B960494DF}">
-                  <a14:hiddenLine xmlns:a14="http://schemas.microsoft.com/office/drawing/2010/main" xmlns="" w="9525">
+                  <a14:hiddenLine xmlns="" xmlns:a14="http://schemas.microsoft.com/office/drawing/2010/main" w="9525">
                     <a:solidFill>
                       <a:srgbClr val="000000"/>
                     </a:solidFill>
@@ -11939,7 +11943,7 @@
             <a:fld id="{48A87A34-81AB-432B-8DAE-1953F412C126}" type="datetimeFigureOut">
               <a:rPr lang="en-US" dirty="0"/>
               <a:pPr/>
-              <a:t>7/12/2018</a:t>
+              <a:t>7/14/2018</a:t>
             </a:fld>
             <a:endParaRPr lang="en-US" dirty="0"/>
           </a:p>
@@ -13171,134 +13175,6 @@
           <a:p>
             <a:r>
               <a:rPr lang="en-US" dirty="0"/>
-              <a:t>Predictive Models (CART Model 2)</a:t>
-            </a:r>
-          </a:p>
-        </p:txBody>
-      </p:sp>
-      <p:pic>
-        <p:nvPicPr>
-          <p:cNvPr id="16" name="Picture Placeholder 15">
-            <a:extLst>
-              <a:ext uri="{FF2B5EF4-FFF2-40B4-BE49-F238E27FC236}">
-                <a16:creationId xmlns:a16="http://schemas.microsoft.com/office/drawing/2014/main" id="{9FC1D3E2-287E-46D5-A50D-62410776B917}"/>
-              </a:ext>
-            </a:extLst>
-          </p:cNvPr>
-          <p:cNvPicPr>
-            <a:picLocks noGrp="1" noChangeAspect="1"/>
-          </p:cNvPicPr>
-          <p:nvPr>
-            <p:ph sz="half" idx="1"/>
-          </p:nvPr>
-        </p:nvPicPr>
-        <p:blipFill>
-          <a:blip r:embed="rId2"/>
-          <a:stretch>
-            <a:fillRect/>
-          </a:stretch>
-        </p:blipFill>
-        <p:spPr>
-          <a:xfrm>
-            <a:off x="1141413" y="2394215"/>
-            <a:ext cx="4878387" cy="3252258"/>
-          </a:xfrm>
-        </p:spPr>
-      </p:pic>
-      <p:sp>
-        <p:nvSpPr>
-          <p:cNvPr id="24" name="Content Placeholder 23">
-            <a:extLst>
-              <a:ext uri="{FF2B5EF4-FFF2-40B4-BE49-F238E27FC236}">
-                <a16:creationId xmlns:a16="http://schemas.microsoft.com/office/drawing/2014/main" id="{7AC9E1C9-B322-4645-ADA9-319F4C18AF70}"/>
-              </a:ext>
-            </a:extLst>
-          </p:cNvPr>
-          <p:cNvSpPr>
-            <a:spLocks noGrp="1"/>
-          </p:cNvSpPr>
-          <p:nvPr>
-            <p:ph sz="half" idx="2"/>
-          </p:nvPr>
-        </p:nvSpPr>
-        <p:spPr/>
-        <p:txBody>
-          <a:bodyPr/>
-          <a:lstStyle/>
-          <a:p>
-            <a:r>
-              <a:rPr lang="en-US" dirty="0"/>
-              <a:t>Forced multiple nodes</a:t>
-            </a:r>
-          </a:p>
-          <a:p>
-            <a:r>
-              <a:rPr lang="en-US" dirty="0"/>
-              <a:t>Editor’s choice still has greatest determination of score</a:t>
-            </a:r>
-          </a:p>
-          <a:p>
-            <a:pPr lvl="1"/>
-            <a:endParaRPr lang="en-US" dirty="0"/>
-          </a:p>
-          <a:p>
-            <a:endParaRPr lang="en-US" dirty="0"/>
-          </a:p>
-        </p:txBody>
-      </p:sp>
-    </p:spTree>
-    <p:extLst>
-      <p:ext uri="{BB962C8B-B14F-4D97-AF65-F5344CB8AC3E}">
-        <p14:creationId xmlns:p14="http://schemas.microsoft.com/office/powerpoint/2010/main" val="2297980642"/>
-      </p:ext>
-    </p:extLst>
-  </p:cSld>
-  <p:clrMapOvr>
-    <a:masterClrMapping/>
-  </p:clrMapOvr>
-</p:sld>
-</file>
-
-<file path=ppt/slides/slide16.xml><?xml version="1.0" encoding="utf-8"?>
-<p:sld xmlns:a="http://schemas.openxmlformats.org/drawingml/2006/main" xmlns:r="http://schemas.openxmlformats.org/officeDocument/2006/relationships" xmlns:p="http://schemas.openxmlformats.org/presentationml/2006/main">
-  <p:cSld>
-    <p:spTree>
-      <p:nvGrpSpPr>
-        <p:cNvPr id="1" name=""/>
-        <p:cNvGrpSpPr/>
-        <p:nvPr/>
-      </p:nvGrpSpPr>
-      <p:grpSpPr>
-        <a:xfrm>
-          <a:off x="0" y="0"/>
-          <a:ext cx="0" cy="0"/>
-          <a:chOff x="0" y="0"/>
-          <a:chExt cx="0" cy="0"/>
-        </a:xfrm>
-      </p:grpSpPr>
-      <p:sp>
-        <p:nvSpPr>
-          <p:cNvPr id="2" name="Title 1">
-            <a:extLst>
-              <a:ext uri="{FF2B5EF4-FFF2-40B4-BE49-F238E27FC236}">
-                <a16:creationId xmlns:a16="http://schemas.microsoft.com/office/drawing/2014/main" id="{2B1CC09E-32DB-42CA-AA95-F86AAAAE0437}"/>
-              </a:ext>
-            </a:extLst>
-          </p:cNvPr>
-          <p:cNvSpPr>
-            <a:spLocks noGrp="1"/>
-          </p:cNvSpPr>
-          <p:nvPr>
-            <p:ph type="title"/>
-          </p:nvPr>
-        </p:nvSpPr>
-        <p:spPr/>
-        <p:txBody>
-          <a:bodyPr/>
-          <a:lstStyle/>
-          <a:p>
-            <a:r>
-              <a:rPr lang="en-US" dirty="0"/>
               <a:t>Predictive Models (Random forest)</a:t>
             </a:r>
           </a:p>
@@ -13397,7 +13273,7 @@
 </p:sld>
 </file>
 
-<file path=ppt/slides/slide17.xml><?xml version="1.0" encoding="utf-8"?>
+<file path=ppt/slides/slide16.xml><?xml version="1.0" encoding="utf-8"?>
 <p:sld xmlns:a="http://schemas.openxmlformats.org/drawingml/2006/main" xmlns:r="http://schemas.openxmlformats.org/officeDocument/2006/relationships" xmlns:p="http://schemas.openxmlformats.org/presentationml/2006/main">
   <p:cSld>
     <p:spTree>
@@ -13593,7 +13469,7 @@
 </p:sld>
 </file>
 
-<file path=ppt/slides/slide18.xml><?xml version="1.0" encoding="utf-8"?>
+<file path=ppt/slides/slide17.xml><?xml version="1.0" encoding="utf-8"?>
 <p:sld xmlns:a="http://schemas.openxmlformats.org/drawingml/2006/main" xmlns:r="http://schemas.openxmlformats.org/officeDocument/2006/relationships" xmlns:p="http://schemas.openxmlformats.org/presentationml/2006/main">
   <p:cSld>
     <p:spTree>
